--- a/COMMA ppt(2).pptx
+++ b/COMMA ppt(2).pptx
@@ -135,7 +135,7 @@
   <pc:docChgLst>
     <pc:chgData name="12 bitcamp" userId="828d56235088c287" providerId="LiveId" clId="{74A2B833-E784-4F08-8D3E-38084E039CFF}"/>
     <pc:docChg chg="undo custSel delSld modSld">
-      <pc:chgData name="12 bitcamp" userId="828d56235088c287" providerId="LiveId" clId="{74A2B833-E784-4F08-8D3E-38084E039CFF}" dt="2024-08-08T10:38:07.778" v="3336" actId="20577"/>
+      <pc:chgData name="12 bitcamp" userId="828d56235088c287" providerId="LiveId" clId="{74A2B833-E784-4F08-8D3E-38084E039CFF}" dt="2024-08-09T00:29:01.815" v="3355" actId="20577"/>
       <pc:docMkLst>
         <pc:docMk/>
       </pc:docMkLst>
@@ -171,11 +171,19 @@
         </pc:cxnChg>
       </pc:sldChg>
       <pc:sldChg chg="addSp delSp modSp mod modAnim">
-        <pc:chgData name="12 bitcamp" userId="828d56235088c287" providerId="LiveId" clId="{74A2B833-E784-4F08-8D3E-38084E039CFF}" dt="2024-08-08T09:14:04.149" v="1045"/>
+        <pc:chgData name="12 bitcamp" userId="828d56235088c287" providerId="LiveId" clId="{74A2B833-E784-4F08-8D3E-38084E039CFF}" dt="2024-08-09T00:20:53.691" v="3340" actId="478"/>
         <pc:sldMkLst>
           <pc:docMk/>
           <pc:sldMk cId="342662967" sldId="258"/>
         </pc:sldMkLst>
+        <pc:spChg chg="add del mod">
+          <ac:chgData name="12 bitcamp" userId="828d56235088c287" providerId="LiveId" clId="{74A2B833-E784-4F08-8D3E-38084E039CFF}" dt="2024-08-09T00:20:53.691" v="3340" actId="478"/>
+          <ac:spMkLst>
+            <pc:docMk/>
+            <pc:sldMk cId="342662967" sldId="258"/>
+            <ac:spMk id="2" creationId="{9E444ACB-70BE-44EE-6A1D-394AA7663AF4}"/>
+          </ac:spMkLst>
+        </pc:spChg>
         <pc:spChg chg="add del">
           <ac:chgData name="12 bitcamp" userId="828d56235088c287" providerId="LiveId" clId="{74A2B833-E784-4F08-8D3E-38084E039CFF}" dt="2024-08-08T08:34:18.248" v="217" actId="478"/>
           <ac:spMkLst>
@@ -233,7 +241,7 @@
           </ac:spMkLst>
         </pc:spChg>
         <pc:grpChg chg="mod">
-          <ac:chgData name="12 bitcamp" userId="828d56235088c287" providerId="LiveId" clId="{74A2B833-E784-4F08-8D3E-38084E039CFF}" dt="2024-08-08T08:47:28.903" v="411" actId="1076"/>
+          <ac:chgData name="12 bitcamp" userId="828d56235088c287" providerId="LiveId" clId="{74A2B833-E784-4F08-8D3E-38084E039CFF}" dt="2024-08-09T00:20:42.825" v="3339" actId="1076"/>
           <ac:grpSpMkLst>
             <pc:docMk/>
             <pc:sldMk cId="342662967" sldId="258"/>
@@ -241,7 +249,7 @@
           </ac:grpSpMkLst>
         </pc:grpChg>
         <pc:picChg chg="add mod modCrop">
-          <ac:chgData name="12 bitcamp" userId="828d56235088c287" providerId="LiveId" clId="{74A2B833-E784-4F08-8D3E-38084E039CFF}" dt="2024-08-08T08:47:53.659" v="427" actId="1038"/>
+          <ac:chgData name="12 bitcamp" userId="828d56235088c287" providerId="LiveId" clId="{74A2B833-E784-4F08-8D3E-38084E039CFF}" dt="2024-08-09T00:20:42.825" v="3339" actId="1076"/>
           <ac:picMkLst>
             <pc:docMk/>
             <pc:sldMk cId="342662967" sldId="258"/>
@@ -249,7 +257,7 @@
           </ac:picMkLst>
         </pc:picChg>
         <pc:picChg chg="mod">
-          <ac:chgData name="12 bitcamp" userId="828d56235088c287" providerId="LiveId" clId="{74A2B833-E784-4F08-8D3E-38084E039CFF}" dt="2024-08-08T08:47:28.903" v="411" actId="1076"/>
+          <ac:chgData name="12 bitcamp" userId="828d56235088c287" providerId="LiveId" clId="{74A2B833-E784-4F08-8D3E-38084E039CFF}" dt="2024-08-09T00:20:42.825" v="3339" actId="1076"/>
           <ac:picMkLst>
             <pc:docMk/>
             <pc:sldMk cId="342662967" sldId="258"/>
@@ -377,7 +385,7 @@
         </pc:cxnChg>
       </pc:sldChg>
       <pc:sldChg chg="addSp delSp modSp mod delAnim modAnim">
-        <pc:chgData name="12 bitcamp" userId="828d56235088c287" providerId="LiveId" clId="{74A2B833-E784-4F08-8D3E-38084E039CFF}" dt="2024-08-08T10:16:47.759" v="2019" actId="1035"/>
+        <pc:chgData name="12 bitcamp" userId="828d56235088c287" providerId="LiveId" clId="{74A2B833-E784-4F08-8D3E-38084E039CFF}" dt="2024-08-09T00:27:27.875" v="3351" actId="1036"/>
         <pc:sldMkLst>
           <pc:docMk/>
           <pc:sldMk cId="3890591348" sldId="260"/>
@@ -407,7 +415,7 @@
           </ac:spMkLst>
         </pc:spChg>
         <pc:spChg chg="add mod">
-          <ac:chgData name="12 bitcamp" userId="828d56235088c287" providerId="LiveId" clId="{74A2B833-E784-4F08-8D3E-38084E039CFF}" dt="2024-08-08T10:16:34.352" v="2003" actId="1076"/>
+          <ac:chgData name="12 bitcamp" userId="828d56235088c287" providerId="LiveId" clId="{74A2B833-E784-4F08-8D3E-38084E039CFF}" dt="2024-08-09T00:27:27.875" v="3351" actId="1036"/>
           <ac:spMkLst>
             <pc:docMk/>
             <pc:sldMk cId="3890591348" sldId="260"/>
@@ -511,7 +519,7 @@
           </ac:picMkLst>
         </pc:picChg>
         <pc:picChg chg="add mod">
-          <ac:chgData name="12 bitcamp" userId="828d56235088c287" providerId="LiveId" clId="{74A2B833-E784-4F08-8D3E-38084E039CFF}" dt="2024-08-08T10:16:34.352" v="2003" actId="1076"/>
+          <ac:chgData name="12 bitcamp" userId="828d56235088c287" providerId="LiveId" clId="{74A2B833-E784-4F08-8D3E-38084E039CFF}" dt="2024-08-09T00:27:27.875" v="3351" actId="1036"/>
           <ac:picMkLst>
             <pc:docMk/>
             <pc:sldMk cId="3890591348" sldId="260"/>
@@ -782,13 +790,13 @@
         </pc:picChg>
       </pc:sldChg>
       <pc:sldChg chg="addSp delSp modSp mod delAnim modAnim">
-        <pc:chgData name="12 bitcamp" userId="828d56235088c287" providerId="LiveId" clId="{74A2B833-E784-4F08-8D3E-38084E039CFF}" dt="2024-08-08T09:16:55.566" v="1094"/>
+        <pc:chgData name="12 bitcamp" userId="828d56235088c287" providerId="LiveId" clId="{74A2B833-E784-4F08-8D3E-38084E039CFF}" dt="2024-08-09T00:29:01.815" v="3355" actId="20577"/>
         <pc:sldMkLst>
           <pc:docMk/>
           <pc:sldMk cId="4144487425" sldId="267"/>
         </pc:sldMkLst>
         <pc:spChg chg="mod">
-          <ac:chgData name="12 bitcamp" userId="828d56235088c287" providerId="LiveId" clId="{74A2B833-E784-4F08-8D3E-38084E039CFF}" dt="2024-08-08T09:01:20.343" v="987" actId="1076"/>
+          <ac:chgData name="12 bitcamp" userId="828d56235088c287" providerId="LiveId" clId="{74A2B833-E784-4F08-8D3E-38084E039CFF}" dt="2024-08-09T00:29:01.815" v="3355" actId="20577"/>
           <ac:spMkLst>
             <pc:docMk/>
             <pc:sldMk cId="4144487425" sldId="267"/>
@@ -1368,7 +1376,7 @@
           <a:p>
             <a:fld id="{57AAE888-5DDB-4A5A-8BDB-270420828F76}" type="datetimeFigureOut">
               <a:rPr lang="ko-KR" altLang="en-US" smtClean="0"/>
-              <a:t>2024-08-08</a:t>
+              <a:t>2024-08-09</a:t>
             </a:fld>
             <a:endParaRPr lang="ko-KR" altLang="en-US"/>
           </a:p>
@@ -2016,7 +2024,7 @@
           <a:p>
             <a:fld id="{2566825D-2B69-4989-8861-A6901ABADB6C}" type="datetimeFigureOut">
               <a:rPr lang="ko-KR" altLang="en-US" smtClean="0"/>
-              <a:t>2024-08-08</a:t>
+              <a:t>2024-08-09</a:t>
             </a:fld>
             <a:endParaRPr lang="ko-KR" altLang="en-US"/>
           </a:p>
@@ -2184,7 +2192,7 @@
           <a:p>
             <a:fld id="{2566825D-2B69-4989-8861-A6901ABADB6C}" type="datetimeFigureOut">
               <a:rPr lang="ko-KR" altLang="en-US" smtClean="0"/>
-              <a:t>2024-08-08</a:t>
+              <a:t>2024-08-09</a:t>
             </a:fld>
             <a:endParaRPr lang="ko-KR" altLang="en-US"/>
           </a:p>
@@ -2362,7 +2370,7 @@
           <a:p>
             <a:fld id="{2566825D-2B69-4989-8861-A6901ABADB6C}" type="datetimeFigureOut">
               <a:rPr lang="ko-KR" altLang="en-US" smtClean="0"/>
-              <a:t>2024-08-08</a:t>
+              <a:t>2024-08-09</a:t>
             </a:fld>
             <a:endParaRPr lang="ko-KR" altLang="en-US"/>
           </a:p>
@@ -2530,7 +2538,7 @@
           <a:p>
             <a:fld id="{2566825D-2B69-4989-8861-A6901ABADB6C}" type="datetimeFigureOut">
               <a:rPr lang="ko-KR" altLang="en-US" smtClean="0"/>
-              <a:t>2024-08-08</a:t>
+              <a:t>2024-08-09</a:t>
             </a:fld>
             <a:endParaRPr lang="ko-KR" altLang="en-US"/>
           </a:p>
@@ -2775,7 +2783,7 @@
           <a:p>
             <a:fld id="{2566825D-2B69-4989-8861-A6901ABADB6C}" type="datetimeFigureOut">
               <a:rPr lang="ko-KR" altLang="en-US" smtClean="0"/>
-              <a:t>2024-08-08</a:t>
+              <a:t>2024-08-09</a:t>
             </a:fld>
             <a:endParaRPr lang="ko-KR" altLang="en-US"/>
           </a:p>
@@ -3004,7 +3012,7 @@
           <a:p>
             <a:fld id="{2566825D-2B69-4989-8861-A6901ABADB6C}" type="datetimeFigureOut">
               <a:rPr lang="ko-KR" altLang="en-US" smtClean="0"/>
-              <a:t>2024-08-08</a:t>
+              <a:t>2024-08-09</a:t>
             </a:fld>
             <a:endParaRPr lang="ko-KR" altLang="en-US"/>
           </a:p>
@@ -3368,7 +3376,7 @@
           <a:p>
             <a:fld id="{2566825D-2B69-4989-8861-A6901ABADB6C}" type="datetimeFigureOut">
               <a:rPr lang="ko-KR" altLang="en-US" smtClean="0"/>
-              <a:t>2024-08-08</a:t>
+              <a:t>2024-08-09</a:t>
             </a:fld>
             <a:endParaRPr lang="ko-KR" altLang="en-US"/>
           </a:p>
@@ -3485,7 +3493,7 @@
           <a:p>
             <a:fld id="{2566825D-2B69-4989-8861-A6901ABADB6C}" type="datetimeFigureOut">
               <a:rPr lang="ko-KR" altLang="en-US" smtClean="0"/>
-              <a:t>2024-08-08</a:t>
+              <a:t>2024-08-09</a:t>
             </a:fld>
             <a:endParaRPr lang="ko-KR" altLang="en-US"/>
           </a:p>
@@ -3580,7 +3588,7 @@
           <a:p>
             <a:fld id="{2566825D-2B69-4989-8861-A6901ABADB6C}" type="datetimeFigureOut">
               <a:rPr lang="ko-KR" altLang="en-US" smtClean="0"/>
-              <a:t>2024-08-08</a:t>
+              <a:t>2024-08-09</a:t>
             </a:fld>
             <a:endParaRPr lang="ko-KR" altLang="en-US"/>
           </a:p>
@@ -3855,7 +3863,7 @@
           <a:p>
             <a:fld id="{2566825D-2B69-4989-8861-A6901ABADB6C}" type="datetimeFigureOut">
               <a:rPr lang="ko-KR" altLang="en-US" smtClean="0"/>
-              <a:t>2024-08-08</a:t>
+              <a:t>2024-08-09</a:t>
             </a:fld>
             <a:endParaRPr lang="ko-KR" altLang="en-US"/>
           </a:p>
@@ -4107,7 +4115,7 @@
           <a:p>
             <a:fld id="{2566825D-2B69-4989-8861-A6901ABADB6C}" type="datetimeFigureOut">
               <a:rPr lang="ko-KR" altLang="en-US" smtClean="0"/>
-              <a:t>2024-08-08</a:t>
+              <a:t>2024-08-09</a:t>
             </a:fld>
             <a:endParaRPr lang="ko-KR" altLang="en-US"/>
           </a:p>
@@ -4318,7 +4326,7 @@
           <a:p>
             <a:fld id="{2566825D-2B69-4989-8861-A6901ABADB6C}" type="datetimeFigureOut">
               <a:rPr lang="ko-KR" altLang="en-US" smtClean="0"/>
-              <a:t>2024-08-08</a:t>
+              <a:t>2024-08-09</a:t>
             </a:fld>
             <a:endParaRPr lang="ko-KR" altLang="en-US"/>
           </a:p>
@@ -5088,7 +5096,7 @@
         </p:nvGrpSpPr>
         <p:grpSpPr>
           <a:xfrm>
-            <a:off x="6851351" y="2181196"/>
+            <a:off x="6315642" y="2143904"/>
             <a:ext cx="2766121" cy="3761614"/>
             <a:chOff x="1986737" y="2496827"/>
             <a:chExt cx="2766121" cy="3761614"/>
@@ -5514,7 +5522,7 @@
         </p:blipFill>
         <p:spPr>
           <a:xfrm>
-            <a:off x="6901452" y="1153676"/>
+            <a:off x="6365743" y="1116384"/>
             <a:ext cx="1720075" cy="734593"/>
           </a:xfrm>
           <a:prstGeom prst="rect">
@@ -5549,7 +5557,7 @@
         </p:blipFill>
         <p:spPr>
           <a:xfrm>
-            <a:off x="3527483" y="1287733"/>
+            <a:off x="2991774" y="1250441"/>
             <a:ext cx="2904745" cy="4357118"/>
           </a:xfrm>
           <a:prstGeom prst="rect">
@@ -7310,7 +7318,7 @@
         </p:blipFill>
         <p:spPr>
           <a:xfrm>
-            <a:off x="4052857" y="4427013"/>
+            <a:off x="4052857" y="4528609"/>
             <a:ext cx="310722" cy="476440"/>
           </a:xfrm>
           <a:prstGeom prst="rect">
@@ -7332,7 +7340,7 @@
         </p:nvSpPr>
         <p:spPr>
           <a:xfrm>
-            <a:off x="4363579" y="4626383"/>
+            <a:off x="4363579" y="4727979"/>
             <a:ext cx="892475" cy="369332"/>
           </a:xfrm>
           <a:prstGeom prst="rect">
@@ -7630,7 +7638,7 @@
           <a:p>
             <a:r>
               <a:rPr lang="en-US" altLang="ko-KR" sz="1400" dirty="0"/>
-              <a:t>		             ERD Cloud &amp; DB </a:t>
+              <a:t>		         ERD Cloud &amp; DB </a:t>
             </a:r>
             <a:r>
               <a:rPr lang="ko-KR" altLang="en-US" sz="1400" dirty="0"/>
